--- a/5.Crypto/less math slides/Cryptology2-Classic-Modular-Arith.pptx
+++ b/5.Crypto/less math slides/Cryptology2-Classic-Modular-Arith.pptx
@@ -211,7 +211,7 @@
           <a:p>
             <a:fld id="{5E632E0F-5501-4F2B-B5AE-AC9FF1DEB234}" type="datetimeFigureOut">
               <a:rPr lang="en-US" smtClean="0"/>
-              <a:t>2/12/2020</a:t>
+              <a:t>8/19/2020</a:t>
             </a:fld>
             <a:endParaRPr lang="en-US"/>
           </a:p>
@@ -640,6 +640,288 @@
           <a:bodyPr/>
           <a:lstStyle/>
           <a:p>
+            <a:endParaRPr lang="en-US"/>
+          </a:p>
+        </p:txBody>
+      </p:sp>
+      <p:sp>
+        <p:nvSpPr>
+          <p:cNvPr id="4" name="Slide Number Placeholder 3"/>
+          <p:cNvSpPr>
+            <a:spLocks noGrp="1"/>
+          </p:cNvSpPr>
+          <p:nvPr>
+            <p:ph type="sldNum" sz="quarter" idx="5"/>
+          </p:nvPr>
+        </p:nvSpPr>
+        <p:spPr/>
+        <p:txBody>
+          <a:bodyPr/>
+          <a:lstStyle/>
+          <a:p>
+            <a:fld id="{5CEE4049-D197-4118-BF97-B2C042C8F06E}" type="slidenum">
+              <a:rPr lang="en-US" smtClean="0"/>
+              <a:t>10</a:t>
+            </a:fld>
+            <a:endParaRPr lang="en-US"/>
+          </a:p>
+        </p:txBody>
+      </p:sp>
+    </p:spTree>
+    <p:extLst>
+      <p:ext uri="{BB962C8B-B14F-4D97-AF65-F5344CB8AC3E}">
+        <p14:creationId xmlns:p14="http://schemas.microsoft.com/office/powerpoint/2010/main" val="2644677343"/>
+      </p:ext>
+    </p:extLst>
+  </p:cSld>
+  <p:clrMapOvr>
+    <a:masterClrMapping/>
+  </p:clrMapOvr>
+</p:notes>
+</file>
+
+<file path=ppt/notesSlides/notesSlide11.xml><?xml version="1.0" encoding="utf-8"?>
+<p:notes xmlns:a="http://schemas.openxmlformats.org/drawingml/2006/main" xmlns:r="http://schemas.openxmlformats.org/officeDocument/2006/relationships" xmlns:p="http://schemas.openxmlformats.org/presentationml/2006/main">
+  <p:cSld>
+    <p:spTree>
+      <p:nvGrpSpPr>
+        <p:cNvPr id="1" name=""/>
+        <p:cNvGrpSpPr/>
+        <p:nvPr/>
+      </p:nvGrpSpPr>
+      <p:grpSpPr>
+        <a:xfrm>
+          <a:off x="0" y="0"/>
+          <a:ext cx="0" cy="0"/>
+          <a:chOff x="0" y="0"/>
+          <a:chExt cx="0" cy="0"/>
+        </a:xfrm>
+      </p:grpSpPr>
+      <p:sp>
+        <p:nvSpPr>
+          <p:cNvPr id="2" name="Slide Image Placeholder 1"/>
+          <p:cNvSpPr>
+            <a:spLocks noGrp="1" noRot="1" noChangeAspect="1"/>
+          </p:cNvSpPr>
+          <p:nvPr>
+            <p:ph type="sldImg"/>
+          </p:nvPr>
+        </p:nvSpPr>
+        <p:spPr/>
+      </p:sp>
+      <p:sp>
+        <p:nvSpPr>
+          <p:cNvPr id="3" name="Notes Placeholder 2"/>
+          <p:cNvSpPr>
+            <a:spLocks noGrp="1"/>
+          </p:cNvSpPr>
+          <p:nvPr>
+            <p:ph type="body" idx="1"/>
+          </p:nvPr>
+        </p:nvSpPr>
+        <p:spPr>
+          <a:xfrm>
+            <a:off x="685800" y="4400549"/>
+            <a:ext cx="5486400" cy="3713789"/>
+          </a:xfrm>
+        </p:spPr>
+        <p:txBody>
+          <a:bodyPr/>
+          <a:lstStyle/>
+          <a:p>
+            <a:r>
+              <a:rPr lang="en-US" dirty="0"/>
+              <a:t>The code in the top right is simple Python that incrementally tests numbers to see if they are multiplicative inverses.  The Python range(n) function returns a list of integers between 0 and n-1.  In our case n = 26, so it gives a list 0, 1, 2, …, 25.  The break statement causes the for loop to quit when it finds the inverse we seek, where a * </a:t>
+            </a:r>
+            <a:r>
+              <a:rPr lang="en-US" dirty="0" err="1"/>
+              <a:t>i</a:t>
+            </a:r>
+            <a:r>
+              <a:rPr lang="en-US" dirty="0"/>
+              <a:t> % n = 1</a:t>
+            </a:r>
+          </a:p>
+          <a:p>
+            <a:endParaRPr lang="en-US" dirty="0"/>
+          </a:p>
+          <a:p>
+            <a:r>
+              <a:rPr lang="en-US" dirty="0"/>
+              <a:t>The </a:t>
+            </a:r>
+            <a:r>
+              <a:rPr lang="en-US" dirty="0" err="1"/>
+              <a:t>findModInverse</a:t>
+            </a:r>
+            <a:r>
+              <a:rPr lang="en-US" dirty="0"/>
+              <a:t> function comes from “Cracking Codes with Python.”  It uses an interesting feature of Python called multiple assignment.  The line </a:t>
+            </a:r>
+            <a:br>
+              <a:rPr lang="en-US" dirty="0"/>
+            </a:br>
+            <a:r>
+              <a:rPr lang="en-US" dirty="0"/>
+              <a:t>u1, u2, u3 = 1, 0, a</a:t>
+            </a:r>
+            <a:br>
+              <a:rPr lang="en-US" dirty="0"/>
+            </a:br>
+            <a:r>
+              <a:rPr lang="en-US" dirty="0"/>
+              <a:t>is the same as</a:t>
+            </a:r>
+            <a:br>
+              <a:rPr lang="en-US" dirty="0"/>
+            </a:br>
+            <a:r>
+              <a:rPr lang="en-US" dirty="0"/>
+              <a:t>u1 = 1</a:t>
+            </a:r>
+            <a:br>
+              <a:rPr lang="en-US" dirty="0"/>
+            </a:br>
+            <a:r>
+              <a:rPr lang="en-US" dirty="0"/>
+              <a:t>u2 = 0</a:t>
+            </a:r>
+            <a:br>
+              <a:rPr lang="en-US" dirty="0"/>
+            </a:br>
+            <a:r>
+              <a:rPr lang="en-US" dirty="0"/>
+              <a:t>u3 = a</a:t>
+            </a:r>
+          </a:p>
+          <a:p>
+            <a:endParaRPr lang="en-US" dirty="0"/>
+          </a:p>
+          <a:p>
+            <a:r>
+              <a:rPr lang="en-US" dirty="0"/>
+              <a:t>Wikipedia has a nice explanation and a table showing several steps in the algorithm, as well as a mathematical proof. </a:t>
+            </a:r>
+            <a:r>
+              <a:rPr lang="en-US" dirty="0">
+                <a:hlinkClick r:id="rId3"/>
+              </a:rPr>
+              <a:t>https://en.wikipedia.org/wiki/Extended_Euclidean_algorithm</a:t>
+            </a:r>
+            <a:r>
+              <a:rPr lang="en-US" dirty="0"/>
+              <a:t>.  </a:t>
+            </a:r>
+          </a:p>
+          <a:p>
+            <a:endParaRPr lang="en-US" dirty="0"/>
+          </a:p>
+          <a:p>
+            <a:r>
+              <a:rPr lang="en-US" dirty="0"/>
+              <a:t>However, they didn’t give me any better feel for how the process works.  Instead, this lecture by Christoff </a:t>
+            </a:r>
+            <a:r>
+              <a:rPr lang="en-US" dirty="0" err="1"/>
+              <a:t>Paar</a:t>
+            </a:r>
+            <a:r>
+              <a:rPr lang="en-US" dirty="0"/>
+              <a:t> was great! </a:t>
+            </a:r>
+            <a:r>
+              <a:rPr lang="en-US" dirty="0">
+                <a:hlinkClick r:id="rId4"/>
+              </a:rPr>
+              <a:t>https://www.youtube.com/watch?v=fq6SXByItUI</a:t>
+            </a:r>
+            <a:r>
+              <a:rPr lang="en-US" dirty="0"/>
+              <a:t> </a:t>
+            </a:r>
+          </a:p>
+        </p:txBody>
+      </p:sp>
+      <p:sp>
+        <p:nvSpPr>
+          <p:cNvPr id="4" name="Slide Number Placeholder 3"/>
+          <p:cNvSpPr>
+            <a:spLocks noGrp="1"/>
+          </p:cNvSpPr>
+          <p:nvPr>
+            <p:ph type="sldNum" sz="quarter" idx="10"/>
+          </p:nvPr>
+        </p:nvSpPr>
+        <p:spPr/>
+        <p:txBody>
+          <a:bodyPr/>
+          <a:lstStyle/>
+          <a:p>
+            <a:fld id="{5CEE4049-D197-4118-BF97-B2C042C8F06E}" type="slidenum">
+              <a:rPr lang="en-US" smtClean="0"/>
+              <a:t>11</a:t>
+            </a:fld>
+            <a:endParaRPr lang="en-US"/>
+          </a:p>
+        </p:txBody>
+      </p:sp>
+    </p:spTree>
+    <p:extLst>
+      <p:ext uri="{BB962C8B-B14F-4D97-AF65-F5344CB8AC3E}">
+        <p14:creationId xmlns:p14="http://schemas.microsoft.com/office/powerpoint/2010/main" val="3440842352"/>
+      </p:ext>
+    </p:extLst>
+  </p:cSld>
+  <p:clrMapOvr>
+    <a:masterClrMapping/>
+  </p:clrMapOvr>
+</p:notes>
+</file>
+
+<file path=ppt/notesSlides/notesSlide12.xml><?xml version="1.0" encoding="utf-8"?>
+<p:notes xmlns:a="http://schemas.openxmlformats.org/drawingml/2006/main" xmlns:r="http://schemas.openxmlformats.org/officeDocument/2006/relationships" xmlns:p="http://schemas.openxmlformats.org/presentationml/2006/main">
+  <p:cSld>
+    <p:spTree>
+      <p:nvGrpSpPr>
+        <p:cNvPr id="1" name=""/>
+        <p:cNvGrpSpPr/>
+        <p:nvPr/>
+      </p:nvGrpSpPr>
+      <p:grpSpPr>
+        <a:xfrm>
+          <a:off x="0" y="0"/>
+          <a:ext cx="0" cy="0"/>
+          <a:chOff x="0" y="0"/>
+          <a:chExt cx="0" cy="0"/>
+        </a:xfrm>
+      </p:grpSpPr>
+      <p:sp>
+        <p:nvSpPr>
+          <p:cNvPr id="2" name="Slide Image Placeholder 1"/>
+          <p:cNvSpPr>
+            <a:spLocks noGrp="1" noRot="1" noChangeAspect="1"/>
+          </p:cNvSpPr>
+          <p:nvPr>
+            <p:ph type="sldImg"/>
+          </p:nvPr>
+        </p:nvSpPr>
+        <p:spPr/>
+      </p:sp>
+      <p:sp>
+        <p:nvSpPr>
+          <p:cNvPr id="3" name="Notes Placeholder 2"/>
+          <p:cNvSpPr>
+            <a:spLocks noGrp="1"/>
+          </p:cNvSpPr>
+          <p:nvPr>
+            <p:ph type="body" idx="1"/>
+          </p:nvPr>
+        </p:nvSpPr>
+        <p:spPr/>
+        <p:txBody>
+          <a:bodyPr/>
+          <a:lstStyle/>
+          <a:p>
             <a:r>
               <a:rPr lang="en-US" dirty="0"/>
               <a:t>One way to compute a modulo operation is just to subtract the modulus from the number, repeatedly, until the answer is between 0 and the modulus -1.  (Or, if the number is negative, add the modulus.)  A simpler way is to use integer division; then the remainder is your answer.</a:t>
@@ -1396,7 +1678,15 @@
           <a:p>
             <a:r>
               <a:rPr lang="en-US" dirty="0"/>
-              <a:t>Symbols[13 * index]</a:t>
+              <a:t>Symbols[13 * index]  Note—this is a bad choice for A since 2*A = 26, </a:t>
+            </a:r>
+            <a:r>
+              <a:rPr lang="en-US" dirty="0" err="1"/>
+              <a:t>gcd</a:t>
+            </a:r>
+            <a:r>
+              <a:rPr lang="en-US" dirty="0"/>
+              <a:t>(A) = 13</a:t>
             </a:r>
           </a:p>
           <a:p>
@@ -1433,76 +1723,7 @@
             <a:endParaRPr lang="en-US" dirty="0"/>
           </a:p>
           <a:p>
-            <a:r>
-              <a:rPr lang="en-US" dirty="0"/>
-              <a:t>Symbols[8 * index]</a:t>
-            </a:r>
-          </a:p>
-          <a:p>
-            <a:r>
-              <a:rPr lang="en-US" dirty="0"/>
-              <a:t>index = 1 then (8 * index) mod 26 = (8) mod 26 = 8</a:t>
-            </a:r>
-          </a:p>
-          <a:p>
-            <a:r>
-              <a:rPr lang="en-US" dirty="0"/>
-              <a:t>index = 2 then (8 * index) mod 26 = (16) mod 26 = 16</a:t>
-            </a:r>
-          </a:p>
-          <a:p>
-            <a:r>
-              <a:rPr lang="en-US" dirty="0"/>
-              <a:t>index = 3 then (8 * index) mod 26 = (24) mod 26 = 24</a:t>
-            </a:r>
-          </a:p>
-          <a:p>
-            <a:r>
-              <a:rPr lang="en-US" dirty="0"/>
-              <a:t>index = 4 then (8 * index) mod 26 = (32) mod 26 = 6</a:t>
-            </a:r>
-          </a:p>
-          <a:p>
-            <a:r>
-              <a:rPr lang="en-US" dirty="0"/>
-              <a:t>index = 5 then (8 * index) mod 26 = (40) mod 26 = 14</a:t>
-            </a:r>
-          </a:p>
-          <a:p>
-            <a:r>
-              <a:rPr lang="en-US" dirty="0"/>
-              <a:t>&lt;skip&gt;</a:t>
-            </a:r>
-          </a:p>
-          <a:p>
-            <a:r>
-              <a:rPr lang="en-US" dirty="0"/>
-              <a:t>index = 14 then (8 * index) mod 26 = (112) mod 26 = 8</a:t>
-            </a:r>
-          </a:p>
-          <a:p>
-            <a:r>
-              <a:rPr lang="en-US" dirty="0"/>
-              <a:t>index = 15 then (8 * index) mod 26 = (120) mod 26 = 16</a:t>
-            </a:r>
-          </a:p>
-          <a:p>
-            <a:r>
-              <a:rPr lang="en-US" dirty="0"/>
-              <a:t>index = 16 then (8 * index) mod 26 = (128) mod 26 = 24</a:t>
-            </a:r>
-          </a:p>
-          <a:p>
-            <a:r>
-              <a:rPr lang="en-US" dirty="0"/>
-              <a:t>index = 17 then (8 * index) mod 26 = (134) mod 26 = 6</a:t>
-            </a:r>
-          </a:p>
-          <a:p>
-            <a:r>
-              <a:rPr lang="en-US" dirty="0"/>
-              <a:t>index = 18 then (8 * index) mod 26 = (144) mod 26 = 14</a:t>
-            </a:r>
+            <a:endParaRPr lang="en-US" dirty="0"/>
           </a:p>
           <a:p>
             <a:r>
@@ -1608,119 +1829,82 @@
           <a:lstStyle/>
           <a:p>
             <a:r>
+              <a:rPr lang="en-US" dirty="0"/>
+              <a:t>Symbols[8 * index] Note—Another bad choice, A and 26 both divisible by 2, </a:t>
+            </a:r>
+            <a:r>
               <a:rPr lang="en-US" dirty="0" err="1"/>
               <a:t>gcd</a:t>
             </a:r>
             <a:r>
               <a:rPr lang="en-US" dirty="0"/>
-              <a:t>(36, 45)	a = 36, b = 45</a:t>
-            </a:r>
-          </a:p>
-          <a:p>
-            <a:r>
-              <a:rPr lang="en-US" dirty="0"/>
-              <a:t>	a = b % a = 45 % 36 = 9	b = a = 36</a:t>
-            </a:r>
-          </a:p>
-          <a:p>
-            <a:r>
-              <a:rPr lang="en-US" dirty="0"/>
-              <a:t>	 a = 9, b = 36</a:t>
-            </a:r>
-          </a:p>
-          <a:p>
-            <a:endParaRPr lang="en-US" dirty="0"/>
-          </a:p>
-          <a:p>
-            <a:r>
-              <a:rPr lang="en-US" dirty="0"/>
-              <a:t>	a= </a:t>
-            </a:r>
-            <a:r>
-              <a:rPr lang="en-US" dirty="0" err="1"/>
-              <a:t>b%a</a:t>
-            </a:r>
-            <a:r>
-              <a:rPr lang="en-US" dirty="0"/>
-              <a:t> = 36 % 9 = 0	b = a = 9</a:t>
-            </a:r>
-          </a:p>
-          <a:p>
-            <a:r>
-              <a:rPr lang="en-US" dirty="0"/>
-              <a:t>	a = 0, b = 9</a:t>
-            </a:r>
-          </a:p>
-          <a:p>
-            <a:r>
-              <a:rPr lang="en-US" dirty="0"/>
-              <a:t>a = 0 so quit, answer is 9</a:t>
-            </a:r>
-          </a:p>
-          <a:p>
-            <a:r>
-              <a:rPr lang="en-US" dirty="0"/>
-              <a:t>The GCD of 36 and 45 is 9.  9 * 4 = 36, 9 * 5 = 45</a:t>
-            </a:r>
-          </a:p>
-          <a:p>
-            <a:endParaRPr lang="en-US" dirty="0"/>
-          </a:p>
-          <a:p>
-            <a:r>
-              <a:rPr lang="en-US" dirty="0" err="1"/>
-              <a:t>gcd</a:t>
-            </a:r>
-            <a:r>
-              <a:rPr lang="en-US" dirty="0"/>
-              <a:t>(44, 45)	a = 44, b = 45</a:t>
-            </a:r>
-          </a:p>
-          <a:p>
-            <a:r>
-              <a:rPr lang="en-US" dirty="0"/>
-              <a:t>	b = b % a = 45 % 44 = 1	b = a = 44</a:t>
-            </a:r>
-          </a:p>
-          <a:p>
-            <a:r>
-              <a:rPr lang="en-US" dirty="0"/>
-              <a:t>	 a = 1, b = 44</a:t>
-            </a:r>
-          </a:p>
-          <a:p>
-            <a:endParaRPr lang="en-US" dirty="0"/>
-          </a:p>
-          <a:p>
-            <a:r>
-              <a:rPr lang="en-US" dirty="0"/>
-              <a:t>	a = </a:t>
-            </a:r>
-            <a:r>
-              <a:rPr lang="en-US" dirty="0" err="1"/>
-              <a:t>b%a</a:t>
-            </a:r>
-            <a:r>
-              <a:rPr lang="en-US" dirty="0"/>
-              <a:t> = 44 % 1 = 0	b = a = 1</a:t>
-            </a:r>
-          </a:p>
-          <a:p>
-            <a:r>
-              <a:rPr lang="en-US" dirty="0"/>
-              <a:t>	 a = 0, b = 1</a:t>
-            </a:r>
-          </a:p>
-          <a:p>
-            <a:r>
-              <a:rPr lang="en-US" dirty="0"/>
-              <a:t>a = 0 so quit, answer is 1</a:t>
-            </a:r>
-          </a:p>
-          <a:p>
-            <a:r>
-              <a:rPr lang="en-US" dirty="0"/>
-              <a:t>Therefore, 44 and 45 are relatively prime.  They have no factors in common other than 1.</a:t>
+              <a:t>(A)=2</a:t>
+            </a:r>
+          </a:p>
+          <a:p>
+            <a:r>
+              <a:rPr lang="en-US" dirty="0"/>
+              <a:t>index = 1 then (8 * index) mod 26 = (8) mod 26 = 8</a:t>
+            </a:r>
+          </a:p>
+          <a:p>
+            <a:r>
+              <a:rPr lang="en-US" dirty="0"/>
+              <a:t>index = 2 then (8 * index) mod 26 = (16) mod 26 = 16</a:t>
+            </a:r>
+          </a:p>
+          <a:p>
+            <a:r>
+              <a:rPr lang="en-US" dirty="0"/>
+              <a:t>index = 3 then (8 * index) mod 26 = (24) mod 26 = 24</a:t>
+            </a:r>
+          </a:p>
+          <a:p>
+            <a:r>
+              <a:rPr lang="en-US" dirty="0"/>
+              <a:t>index = 4 then (8 * index) mod 26 = (32) mod 26 = 6</a:t>
+            </a:r>
+          </a:p>
+          <a:p>
+            <a:r>
+              <a:rPr lang="en-US" dirty="0"/>
+              <a:t>index = 5 then (8 * index) mod 26 = (40) mod 26 = 14</a:t>
+            </a:r>
+          </a:p>
+          <a:p>
+            <a:r>
+              <a:rPr lang="en-US" dirty="0"/>
+              <a:t>&lt;skip&gt;</a:t>
+            </a:r>
+          </a:p>
+          <a:p>
+            <a:r>
+              <a:rPr lang="en-US" dirty="0"/>
+              <a:t>index = 14 then (8 * index) mod 26 = (112) mod 26 = 8</a:t>
+            </a:r>
+          </a:p>
+          <a:p>
+            <a:r>
+              <a:rPr lang="en-US" dirty="0"/>
+              <a:t>index = 15 then (8 * index) mod 26 = (120) mod 26 = 16</a:t>
+            </a:r>
+          </a:p>
+          <a:p>
+            <a:r>
+              <a:rPr lang="en-US" dirty="0"/>
+              <a:t>index = 16 then (8 * index) mod 26 = (128) mod 26 = 24</a:t>
+            </a:r>
+          </a:p>
+          <a:p>
+            <a:r>
+              <a:rPr lang="en-US" dirty="0"/>
+              <a:t>index = 17 then (8 * index) mod 26 = (134) mod 26 = 6</a:t>
+            </a:r>
+          </a:p>
+          <a:p>
+            <a:r>
+              <a:rPr lang="en-US" dirty="0"/>
+              <a:t>index = 18 then (8 * index) mod 26 = (144) mod 26 = 14</a:t>
             </a:r>
           </a:p>
         </p:txBody>
@@ -1732,7 +1916,7 @@
             <a:spLocks noGrp="1"/>
           </p:cNvSpPr>
           <p:nvPr>
-            <p:ph type="sldNum" sz="quarter" idx="10"/>
+            <p:ph type="sldNum" sz="quarter" idx="5"/>
           </p:nvPr>
         </p:nvSpPr>
         <p:spPr/>
@@ -1742,7 +1926,7 @@
           <a:p>
             <a:fld id="{5CEE4049-D197-4118-BF97-B2C042C8F06E}" type="slidenum">
               <a:rPr lang="en-US" smtClean="0"/>
-              <a:t>8</a:t>
+              <a:t>7</a:t>
             </a:fld>
             <a:endParaRPr lang="en-US"/>
           </a:p>
@@ -1751,7 +1935,7 @@
     </p:spTree>
     <p:extLst>
       <p:ext uri="{BB962C8B-B14F-4D97-AF65-F5344CB8AC3E}">
-        <p14:creationId xmlns:p14="http://schemas.microsoft.com/office/powerpoint/2010/main" val="2724525057"/>
+        <p14:creationId xmlns:p14="http://schemas.microsoft.com/office/powerpoint/2010/main" val="573654621"/>
       </p:ext>
     </p:extLst>
   </p:cSld>
@@ -1806,8 +1990,24 @@
           <a:lstStyle/>
           <a:p>
             <a:r>
-              <a:rPr lang="en-US" dirty="0"/>
-              <a:t>There is no division in modular arithmetic.  If our set is the Integers [0 .. 25], what do we do with 3/2?  Our set does not include 1.5.</a:t>
+              <a:rPr lang="en-US" dirty="0" err="1"/>
+              <a:t>gcd</a:t>
+            </a:r>
+            <a:r>
+              <a:rPr lang="en-US" dirty="0"/>
+              <a:t>(36, 45)	a = 36, b = 45</a:t>
+            </a:r>
+          </a:p>
+          <a:p>
+            <a:r>
+              <a:rPr lang="en-US" dirty="0"/>
+              <a:t>	a = b % a = 45 % 36 = 9	b = a = 36</a:t>
+            </a:r>
+          </a:p>
+          <a:p>
+            <a:r>
+              <a:rPr lang="en-US" dirty="0"/>
+              <a:t>	 a = 9, b = 36</a:t>
             </a:r>
           </a:p>
           <a:p>
@@ -1816,7 +2016,33 @@
           <a:p>
             <a:r>
               <a:rPr lang="en-US" dirty="0"/>
-              <a:t>Instead, define the modular inverse for multiplication.  If X * Y mod length = 1, then X and Y are inverses.  3 * 9 % 26 = 1, so 3 and 9 are inverses in modulo 26. However, the modular inverse of a number may not always exist--think of the problem with Affine encryption two slides ago where the multiplier A and the length contained a common factor.  A = 2 and length = 26 only gave answers of A and N</a:t>
+              <a:t>	a= </a:t>
+            </a:r>
+            <a:r>
+              <a:rPr lang="en-US" dirty="0" err="1"/>
+              <a:t>b%a</a:t>
+            </a:r>
+            <a:r>
+              <a:rPr lang="en-US" dirty="0"/>
+              <a:t> = 36 % 9 = 0	b = a = 9</a:t>
+            </a:r>
+          </a:p>
+          <a:p>
+            <a:r>
+              <a:rPr lang="en-US" dirty="0"/>
+              <a:t>	a = 0, b = 9</a:t>
+            </a:r>
+          </a:p>
+          <a:p>
+            <a:r>
+              <a:rPr lang="en-US" dirty="0"/>
+              <a:t>a = 0 so quit, answer is 9</a:t>
+            </a:r>
+          </a:p>
+          <a:p>
+            <a:r>
+              <a:rPr lang="en-US" dirty="0"/>
+              <a:t>The GCD of 36 and 45 is 9.  9 * 4 = 36, 9 * 5 = 45</a:t>
             </a:r>
           </a:p>
           <a:p>
@@ -1824,8 +2050,24 @@
           </a:p>
           <a:p>
             <a:r>
-              <a:rPr lang="en-US" dirty="0"/>
-              <a:t>A and length must be relatively prime.  This means that GCD(A, length) = 1</a:t>
+              <a:rPr lang="en-US" dirty="0" err="1"/>
+              <a:t>gcd</a:t>
+            </a:r>
+            <a:r>
+              <a:rPr lang="en-US" dirty="0"/>
+              <a:t>(44, 45)	a = 44, b = 45</a:t>
+            </a:r>
+          </a:p>
+          <a:p>
+            <a:r>
+              <a:rPr lang="en-US" dirty="0"/>
+              <a:t>	b = b % a = 45 % 44 = 1	b = a = 44</a:t>
+            </a:r>
+          </a:p>
+          <a:p>
+            <a:r>
+              <a:rPr lang="en-US" dirty="0"/>
+              <a:t>	 a = 1, b = 44</a:t>
             </a:r>
           </a:p>
           <a:p>
@@ -1834,15 +2076,33 @@
           <a:p>
             <a:r>
               <a:rPr lang="en-US" dirty="0"/>
-              <a:t>If A and length have a common factor, A</a:t>
-            </a:r>
-            <a:r>
-              <a:rPr lang="en-US" baseline="30000" dirty="0"/>
-              <a:t>-1</a:t>
-            </a:r>
-            <a:r>
-              <a:rPr lang="en-US" dirty="0"/>
-              <a:t> mod length does not exist, and that value of A cannot be used for Affine encryption.</a:t>
+              <a:t>	a = </a:t>
+            </a:r>
+            <a:r>
+              <a:rPr lang="en-US" dirty="0" err="1"/>
+              <a:t>b%a</a:t>
+            </a:r>
+            <a:r>
+              <a:rPr lang="en-US" dirty="0"/>
+              <a:t> = 44 % 1 = 0	b = a = 1</a:t>
+            </a:r>
+          </a:p>
+          <a:p>
+            <a:r>
+              <a:rPr lang="en-US" dirty="0"/>
+              <a:t>	 a = 0, b = 1</a:t>
+            </a:r>
+          </a:p>
+          <a:p>
+            <a:r>
+              <a:rPr lang="en-US" dirty="0"/>
+              <a:t>a = 0 so quit, answer is 1</a:t>
+            </a:r>
+          </a:p>
+          <a:p>
+            <a:r>
+              <a:rPr lang="en-US" dirty="0"/>
+              <a:t>Therefore, 44 and 45 are relatively prime.  They have no factors in common other than 1.</a:t>
             </a:r>
           </a:p>
         </p:txBody>
@@ -1864,7 +2124,7 @@
           <a:p>
             <a:fld id="{5CEE4049-D197-4118-BF97-B2C042C8F06E}" type="slidenum">
               <a:rPr lang="en-US" smtClean="0"/>
-              <a:t>9</a:t>
+              <a:t>8</a:t>
             </a:fld>
             <a:endParaRPr lang="en-US"/>
           </a:p>
@@ -1873,7 +2133,7 @@
     </p:spTree>
     <p:extLst>
       <p:ext uri="{BB962C8B-B14F-4D97-AF65-F5344CB8AC3E}">
-        <p14:creationId xmlns:p14="http://schemas.microsoft.com/office/powerpoint/2010/main" val="1437130060"/>
+        <p14:creationId xmlns:p14="http://schemas.microsoft.com/office/powerpoint/2010/main" val="2724525057"/>
       </p:ext>
     </p:extLst>
   </p:cSld>
@@ -1922,27 +2182,14 @@
             <p:ph type="body" idx="1"/>
           </p:nvPr>
         </p:nvSpPr>
-        <p:spPr>
-          <a:xfrm>
-            <a:off x="685800" y="4400549"/>
-            <a:ext cx="5486400" cy="3713789"/>
-          </a:xfrm>
-        </p:spPr>
-        <p:txBody>
-          <a:bodyPr/>
-          <a:lstStyle/>
-          <a:p>
-            <a:r>
-              <a:rPr lang="en-US" dirty="0"/>
-              <a:t>The code in the top right is simple Python that incrementally tests numbers to see if they are multiplicative inverses.  The Python range(n) function returns a list of integers between 0 and n-1.  In our case n = 26, so it gives a list 0, 1, 2, …, 25.  The break statement causes the for loop to quit when it finds the inverse we seek, where a * </a:t>
-            </a:r>
-            <a:r>
-              <a:rPr lang="en-US" dirty="0" err="1"/>
-              <a:t>i</a:t>
-            </a:r>
-            <a:r>
-              <a:rPr lang="en-US" dirty="0"/>
-              <a:t> % n = 1</a:t>
+        <p:spPr/>
+        <p:txBody>
+          <a:bodyPr/>
+          <a:lstStyle/>
+          <a:p>
+            <a:r>
+              <a:rPr lang="en-US" dirty="0"/>
+              <a:t>There is no division in modular arithmetic.  If our set is the Integers [0 .. 25], what do we do with 3/2?  Our set does not include 1.5.</a:t>
             </a:r>
           </a:p>
           <a:p>
@@ -1951,50 +2198,7 @@
           <a:p>
             <a:r>
               <a:rPr lang="en-US" dirty="0"/>
-              <a:t>The </a:t>
-            </a:r>
-            <a:r>
-              <a:rPr lang="en-US" dirty="0" err="1"/>
-              <a:t>findModInverse</a:t>
-            </a:r>
-            <a:r>
-              <a:rPr lang="en-US" dirty="0"/>
-              <a:t> function comes from “Cracking Codes with Python.”  It uses an interesting feature of Python called multiple assignment.  The line </a:t>
-            </a:r>
-            <a:br>
-              <a:rPr lang="en-US" dirty="0"/>
-            </a:br>
-            <a:r>
-              <a:rPr lang="en-US" dirty="0"/>
-              <a:t>u1, u2, u3 = 1, 0, a</a:t>
-            </a:r>
-            <a:br>
-              <a:rPr lang="en-US" dirty="0"/>
-            </a:br>
-            <a:r>
-              <a:rPr lang="en-US" dirty="0"/>
-              <a:t>is the same as</a:t>
-            </a:r>
-            <a:br>
-              <a:rPr lang="en-US" dirty="0"/>
-            </a:br>
-            <a:r>
-              <a:rPr lang="en-US" dirty="0"/>
-              <a:t>u1 = 1</a:t>
-            </a:r>
-            <a:br>
-              <a:rPr lang="en-US" dirty="0"/>
-            </a:br>
-            <a:r>
-              <a:rPr lang="en-US" dirty="0"/>
-              <a:t>u2 = 0</a:t>
-            </a:r>
-            <a:br>
-              <a:rPr lang="en-US" dirty="0"/>
-            </a:br>
-            <a:r>
-              <a:rPr lang="en-US" dirty="0"/>
-              <a:t>u3 = a</a:t>
+              <a:t>Instead, define the modular inverse for multiplication.  If X * Y mod length = 1, then X and Y are inverses.  3 * 9 % 26 = 1, so 3 and 9 are inverses in modulo 26. However, the modular inverse of a number may not always exist--think of the problem with Affine encryption two slides ago where the multiplier A and the length contained a common factor.  A = 2 and length = 26 only gave answers of A and N</a:t>
             </a:r>
           </a:p>
           <a:p>
@@ -2003,17 +2207,7 @@
           <a:p>
             <a:r>
               <a:rPr lang="en-US" dirty="0"/>
-              <a:t>Wikipedia has a nice explanation and a table showing several steps in the algorithm, as well as a mathematical proof. </a:t>
-            </a:r>
-            <a:r>
-              <a:rPr lang="en-US" dirty="0">
-                <a:hlinkClick r:id="rId3"/>
-              </a:rPr>
-              <a:t>https://en.wikipedia.org/wiki/Extended_Euclidean_algorithm</a:t>
-            </a:r>
-            <a:r>
-              <a:rPr lang="en-US" dirty="0"/>
-              <a:t>.  </a:t>
+              <a:t>A and length must be relatively prime.  This means that GCD(A, length) = 1</a:t>
             </a:r>
           </a:p>
           <a:p>
@@ -2022,25 +2216,15 @@
           <a:p>
             <a:r>
               <a:rPr lang="en-US" dirty="0"/>
-              <a:t>However, they didn’t give me any better feel for how the process works.  Instead, this lecture by Christoff </a:t>
-            </a:r>
-            <a:r>
-              <a:rPr lang="en-US" dirty="0" err="1"/>
-              <a:t>Paar</a:t>
-            </a:r>
-            <a:r>
-              <a:rPr lang="en-US" dirty="0"/>
-              <a:t> was great! </a:t>
-            </a:r>
-            <a:r>
-              <a:rPr lang="en-US" dirty="0">
-                <a:hlinkClick r:id="rId4"/>
-              </a:rPr>
-              <a:t>https://www.youtube.com/watch?v=fq6SXByItUI</a:t>
-            </a:r>
-            <a:r>
-              <a:rPr lang="en-US" dirty="0"/>
-              <a:t> </a:t>
+              <a:t>If A and length have a common factor, A</a:t>
+            </a:r>
+            <a:r>
+              <a:rPr lang="en-US" baseline="30000" dirty="0"/>
+              <a:t>-1</a:t>
+            </a:r>
+            <a:r>
+              <a:rPr lang="en-US" dirty="0"/>
+              <a:t> mod length does not exist, and that value of A cannot be used for Affine encryption.</a:t>
             </a:r>
           </a:p>
         </p:txBody>
@@ -2062,7 +2246,7 @@
           <a:p>
             <a:fld id="{5CEE4049-D197-4118-BF97-B2C042C8F06E}" type="slidenum">
               <a:rPr lang="en-US" smtClean="0"/>
-              <a:t>11</a:t>
+              <a:t>9</a:t>
             </a:fld>
             <a:endParaRPr lang="en-US"/>
           </a:p>
@@ -2071,7 +2255,7 @@
     </p:spTree>
     <p:extLst>
       <p:ext uri="{BB962C8B-B14F-4D97-AF65-F5344CB8AC3E}">
-        <p14:creationId xmlns:p14="http://schemas.microsoft.com/office/powerpoint/2010/main" val="3440842352"/>
+        <p14:creationId xmlns:p14="http://schemas.microsoft.com/office/powerpoint/2010/main" val="1437130060"/>
       </p:ext>
     </p:extLst>
   </p:cSld>
@@ -2228,7 +2412,7 @@
           <a:p>
             <a:fld id="{1E435803-0E45-435F-A285-8660CEC62D1A}" type="datetimeFigureOut">
               <a:rPr lang="en-US" smtClean="0"/>
-              <a:t>2/12/2020</a:t>
+              <a:t>8/19/2020</a:t>
             </a:fld>
             <a:endParaRPr lang="en-US"/>
           </a:p>
@@ -2426,7 +2610,7 @@
           <a:p>
             <a:fld id="{1E435803-0E45-435F-A285-8660CEC62D1A}" type="datetimeFigureOut">
               <a:rPr lang="en-US" smtClean="0"/>
-              <a:t>2/12/2020</a:t>
+              <a:t>8/19/2020</a:t>
             </a:fld>
             <a:endParaRPr lang="en-US"/>
           </a:p>
@@ -2634,7 +2818,7 @@
           <a:p>
             <a:fld id="{1E435803-0E45-435F-A285-8660CEC62D1A}" type="datetimeFigureOut">
               <a:rPr lang="en-US" smtClean="0"/>
-              <a:t>2/12/2020</a:t>
+              <a:t>8/19/2020</a:t>
             </a:fld>
             <a:endParaRPr lang="en-US"/>
           </a:p>
@@ -2832,7 +3016,7 @@
           <a:p>
             <a:fld id="{1E435803-0E45-435F-A285-8660CEC62D1A}" type="datetimeFigureOut">
               <a:rPr lang="en-US" smtClean="0"/>
-              <a:t>2/12/2020</a:t>
+              <a:t>8/19/2020</a:t>
             </a:fld>
             <a:endParaRPr lang="en-US"/>
           </a:p>
@@ -3107,7 +3291,7 @@
           <a:p>
             <a:fld id="{1E435803-0E45-435F-A285-8660CEC62D1A}" type="datetimeFigureOut">
               <a:rPr lang="en-US" smtClean="0"/>
-              <a:t>2/12/2020</a:t>
+              <a:t>8/19/2020</a:t>
             </a:fld>
             <a:endParaRPr lang="en-US"/>
           </a:p>
@@ -3372,7 +3556,7 @@
           <a:p>
             <a:fld id="{1E435803-0E45-435F-A285-8660CEC62D1A}" type="datetimeFigureOut">
               <a:rPr lang="en-US" smtClean="0"/>
-              <a:t>2/12/2020</a:t>
+              <a:t>8/19/2020</a:t>
             </a:fld>
             <a:endParaRPr lang="en-US"/>
           </a:p>
@@ -3784,7 +3968,7 @@
           <a:p>
             <a:fld id="{1E435803-0E45-435F-A285-8660CEC62D1A}" type="datetimeFigureOut">
               <a:rPr lang="en-US" smtClean="0"/>
-              <a:t>2/12/2020</a:t>
+              <a:t>8/19/2020</a:t>
             </a:fld>
             <a:endParaRPr lang="en-US"/>
           </a:p>
@@ -3925,7 +4109,7 @@
           <a:p>
             <a:fld id="{1E435803-0E45-435F-A285-8660CEC62D1A}" type="datetimeFigureOut">
               <a:rPr lang="en-US" smtClean="0"/>
-              <a:t>2/12/2020</a:t>
+              <a:t>8/19/2020</a:t>
             </a:fld>
             <a:endParaRPr lang="en-US"/>
           </a:p>
@@ -4038,7 +4222,7 @@
           <a:p>
             <a:fld id="{1E435803-0E45-435F-A285-8660CEC62D1A}" type="datetimeFigureOut">
               <a:rPr lang="en-US" smtClean="0"/>
-              <a:t>2/12/2020</a:t>
+              <a:t>8/19/2020</a:t>
             </a:fld>
             <a:endParaRPr lang="en-US"/>
           </a:p>
@@ -4349,7 +4533,7 @@
           <a:p>
             <a:fld id="{1E435803-0E45-435F-A285-8660CEC62D1A}" type="datetimeFigureOut">
               <a:rPr lang="en-US" smtClean="0"/>
-              <a:t>2/12/2020</a:t>
+              <a:t>8/19/2020</a:t>
             </a:fld>
             <a:endParaRPr lang="en-US"/>
           </a:p>
@@ -4637,7 +4821,7 @@
           <a:p>
             <a:fld id="{1E435803-0E45-435F-A285-8660CEC62D1A}" type="datetimeFigureOut">
               <a:rPr lang="en-US" smtClean="0"/>
-              <a:t>2/12/2020</a:t>
+              <a:t>8/19/2020</a:t>
             </a:fld>
             <a:endParaRPr lang="en-US"/>
           </a:p>
@@ -4878,7 +5062,7 @@
           <a:p>
             <a:fld id="{1E435803-0E45-435F-A285-8660CEC62D1A}" type="datetimeFigureOut">
               <a:rPr lang="en-US" smtClean="0"/>
-              <a:t>2/12/2020</a:t>
+              <a:t>8/19/2020</a:t>
             </a:fld>
             <a:endParaRPr lang="en-US"/>
           </a:p>
@@ -6519,7 +6703,9 @@
         </p:nvSpPr>
         <p:spPr/>
         <p:txBody>
-          <a:bodyPr/>
+          <a:bodyPr>
+            <a:normAutofit lnSpcReduction="10000"/>
+          </a:bodyPr>
           <a:lstStyle/>
           <a:p>
             <a:r>
@@ -6531,7 +6717,22 @@
             <a:pPr lvl="1"/>
             <a:r>
               <a:rPr lang="en-US" dirty="0"/>
-              <a:t> ciphertext += SYMBOLS[(index + shift) % length]</a:t>
+              <a:t>index = </a:t>
+            </a:r>
+            <a:r>
+              <a:rPr lang="en-US" dirty="0" err="1"/>
+              <a:t>SYMBOLS.find</a:t>
+            </a:r>
+            <a:r>
+              <a:rPr lang="en-US" dirty="0"/>
+              <a:t>(letter)</a:t>
+            </a:r>
+          </a:p>
+          <a:p>
+            <a:pPr lvl="1"/>
+            <a:r>
+              <a:rPr lang="en-US" dirty="0"/>
+              <a:t>ciphertext += SYMBOLS[(index + shift) % length]</a:t>
             </a:r>
           </a:p>
           <a:p>
@@ -6572,7 +6773,7 @@
             <a:pPr lvl="1"/>
             <a:r>
               <a:rPr lang="en-US" dirty="0"/>
-              <a:t>‘Z’ shifted by 3 is index 3, or ‘C’</a:t>
+              <a:t>‘Z’ shifted by 2 is index 2, or ‘C’</a:t>
             </a:r>
           </a:p>
           <a:p>
